--- a/2차 발표자료.pptx
+++ b/2차 발표자료.pptx
@@ -3612,19 +3612,11 @@
             <a:pPr algn="just"/>
             <a:r>
               <a:rPr lang="en-US" altLang="ko-KR" sz="3600" b="1" dirty="0" smtClean="0"/>
-              <a:t>2D Programming </a:t>
-            </a:r>
-            <a:r>
-              <a:rPr lang="en-US" altLang="ko-KR" sz="3600" b="1" dirty="0" smtClean="0"/>
-              <a:t>2</a:t>
+              <a:t>2D Programming 2</a:t>
             </a:r>
             <a:r>
               <a:rPr lang="ko-KR" altLang="en-US" sz="3600" b="1" dirty="0" smtClean="0"/>
-              <a:t>차 </a:t>
-            </a:r>
-            <a:r>
-              <a:rPr lang="ko-KR" altLang="en-US" sz="3600" b="1" dirty="0" smtClean="0"/>
-              <a:t>발표</a:t>
+              <a:t>차 발표</a:t>
             </a:r>
             <a:endParaRPr lang="en-US" altLang="ko-KR" sz="3600" b="1" dirty="0" smtClean="0"/>
           </a:p>
@@ -3740,11 +3732,7 @@
           <a:p>
             <a:r>
               <a:rPr lang="ko-KR" altLang="en-US" dirty="0" smtClean="0"/>
-              <a:t>개발 </a:t>
-            </a:r>
-            <a:r>
-              <a:rPr lang="ko-KR" altLang="en-US" dirty="0" smtClean="0"/>
-              <a:t>상황</a:t>
+              <a:t>개발 상황</a:t>
             </a:r>
             <a:endParaRPr lang="en-US" altLang="ko-KR" dirty="0" smtClean="0"/>
           </a:p>
@@ -4221,11 +4209,7 @@
                       </a:r>
                       <a:r>
                         <a:rPr lang="ko-KR" altLang="en-US" sz="1600" dirty="0" smtClean="0"/>
-                        <a:t> </a:t>
-                      </a:r>
-                      <a:r>
-                        <a:rPr lang="ko-KR" altLang="en-US" sz="1600" dirty="0" smtClean="0"/>
-                        <a:t>구현</a:t>
+                        <a:t> 구현</a:t>
                       </a:r>
                       <a:r>
                         <a:rPr lang="en-US" altLang="ko-KR" sz="1600" baseline="0" dirty="0" smtClean="0"/>
@@ -4542,15 +4526,7 @@
                       <a:pPr latinLnBrk="1"/>
                       <a:r>
                         <a:rPr lang="ko-KR" altLang="en-US" sz="1400" baseline="0" dirty="0" smtClean="0"/>
-                        <a:t>플레이어 </a:t>
-                      </a:r>
-                      <a:r>
-                        <a:rPr lang="ko-KR" altLang="en-US" sz="1400" baseline="0" dirty="0" smtClean="0"/>
-                        <a:t>죽을 시 </a:t>
-                      </a:r>
-                      <a:r>
-                        <a:rPr lang="ko-KR" altLang="en-US" sz="1400" baseline="0" dirty="0" smtClean="0"/>
-                        <a:t>이어하기 기능 생성</a:t>
+                        <a:t>플레이어 죽을 시 이어하기 기능 생성</a:t>
                       </a:r>
                       <a:r>
                         <a:rPr lang="en-US" altLang="ko-KR" sz="1400" baseline="0" dirty="0" smtClean="0"/>
@@ -4758,15 +4734,7 @@
           <a:p>
             <a:r>
               <a:rPr lang="ko-KR" altLang="en-US" dirty="0" smtClean="0"/>
-              <a:t>개발 </a:t>
-            </a:r>
-            <a:r>
-              <a:rPr lang="ko-KR" altLang="en-US" dirty="0" smtClean="0"/>
-              <a:t>상</a:t>
-            </a:r>
-            <a:r>
-              <a:rPr lang="ko-KR" altLang="en-US" dirty="0" smtClean="0"/>
-              <a:t>황</a:t>
+              <a:t>개발 상황</a:t>
             </a:r>
             <a:r>
               <a:rPr lang="en-US" altLang="ko-KR" dirty="0" smtClean="0"/>
@@ -4788,7 +4756,7 @@
         </p:nvGraphicFramePr>
         <p:xfrm>
           <a:off x="179512" y="1196752"/>
-          <a:ext cx="8784976" cy="5367728"/>
+          <a:ext cx="8784976" cy="5751726"/>
         </p:xfrm>
         <a:graphic>
           <a:graphicData uri="http://schemas.openxmlformats.org/drawingml/2006/table">
@@ -4798,8 +4766,8 @@
               </a:tblPr>
               <a:tblGrid>
                 <a:gridCol w="1186305"/>
-                <a:gridCol w="1645073"/>
-                <a:gridCol w="5953598"/>
+                <a:gridCol w="1549999"/>
+                <a:gridCol w="6048672"/>
               </a:tblGrid>
               <a:tr h="295681">
                 <a:tc rowSpan="2">
@@ -4848,11 +4816,7 @@
                       </a:r>
                       <a:r>
                         <a:rPr lang="en-US" altLang="ko-KR" sz="1600" b="0" dirty="0" smtClean="0"/>
-                        <a:t>: Background</a:t>
-                      </a:r>
-                      <a:r>
-                        <a:rPr lang="en-US" altLang="ko-KR" sz="1600" b="0" dirty="0" smtClean="0"/>
-                        <a:t>, Player, </a:t>
+                        <a:t>: Background, Player, </a:t>
                       </a:r>
                       <a:r>
                         <a:rPr lang="ko-KR" altLang="en-US" sz="1600" b="0" dirty="0" smtClean="0"/>
@@ -4994,11 +4958,7 @@
                       </a:r>
                       <a:r>
                         <a:rPr lang="ko-KR" altLang="en-US" sz="1600" dirty="0" smtClean="0"/>
-                        <a:t>기본 </a:t>
-                      </a:r>
-                      <a:r>
-                        <a:rPr lang="ko-KR" altLang="en-US" sz="1600" dirty="0" smtClean="0"/>
-                        <a:t>오브젝트 생성</a:t>
+                        <a:t>기본 오브젝트 생성</a:t>
                       </a:r>
                       <a:r>
                         <a:rPr lang="en-US" altLang="ko-KR" sz="1600" dirty="0" smtClean="0"/>
@@ -5176,11 +5136,7 @@
                       </a:r>
                       <a:r>
                         <a:rPr lang="ko-KR" altLang="en-US" sz="1600" dirty="0" smtClean="0"/>
-                        <a:t>플레이어의 </a:t>
-                      </a:r>
-                      <a:r>
-                        <a:rPr lang="ko-KR" altLang="en-US" sz="1600" dirty="0" smtClean="0"/>
-                        <a:t>이동과 미사일 구현</a:t>
+                        <a:t>플레이어의 이동과 미사일 구현</a:t>
                       </a:r>
                       <a:r>
                         <a:rPr lang="en-US" altLang="ko-KR" sz="1600" dirty="0" smtClean="0"/>
@@ -5306,11 +5262,7 @@
                       </a:r>
                       <a:r>
                         <a:rPr lang="ko-KR" altLang="en-US" sz="1600" dirty="0" smtClean="0"/>
-                        <a:t>적의 </a:t>
-                      </a:r>
-                      <a:r>
-                        <a:rPr lang="ko-KR" altLang="en-US" sz="1600" dirty="0" smtClean="0"/>
-                        <a:t>움직임과 적의 생성 구현</a:t>
+                        <a:t>적의 움직임과 적의 생성 구현</a:t>
                       </a:r>
                       <a:r>
                         <a:rPr lang="en-US" altLang="ko-KR" sz="1600" dirty="0" smtClean="0"/>
@@ -5359,14 +5311,41 @@
                         <a:rPr lang="en-US" altLang="ko-KR" sz="1600" dirty="0" smtClean="0"/>
                         <a:t>: </a:t>
                       </a:r>
+                      <a:r>
+                        <a:rPr lang="en-US" altLang="ko-KR" sz="1600" dirty="0" smtClean="0"/>
+                        <a:t> </a:t>
+                      </a:r>
+                      <a:r>
+                        <a:rPr lang="ko-KR" altLang="en-US" sz="1600" dirty="0" smtClean="0"/>
+                        <a:t>랜덤 등장과 일정 미사일 발사 추가범위 구현 계획</a:t>
+                      </a:r>
+                      <a:r>
+                        <a:rPr lang="en-US" altLang="ko-KR" sz="1600" baseline="0" dirty="0" smtClean="0"/>
+                        <a:t> </a:t>
+                      </a:r>
+                    </a:p>
+                    <a:p>
+                      <a:pPr latinLnBrk="1"/>
+                      <a:r>
+                        <a:rPr lang="en-US" altLang="ko-KR" sz="1600" baseline="0" dirty="0" smtClean="0"/>
+                        <a:t>            – (70%), (</a:t>
+                      </a:r>
+                      <a:r>
+                        <a:rPr lang="ko-KR" altLang="en-US" sz="1600" baseline="0" dirty="0" smtClean="0"/>
+                        <a:t>추가</a:t>
+                      </a:r>
+                      <a:r>
+                        <a:rPr lang="en-US" altLang="ko-KR" sz="1600" baseline="0" dirty="0" smtClean="0"/>
+                        <a:t>:0%)</a:t>
+                      </a:r>
                       <a:endParaRPr lang="ko-KR" altLang="en-US" sz="1600" dirty="0"/>
                     </a:p>
                   </a:txBody>
                   <a:tcPr/>
                 </a:tc>
               </a:tr>
-              <a:tr h="591362">
-                <a:tc>
+              <a:tr h="295681">
+                <a:tc rowSpan="2">
                   <a:txBody>
                     <a:bodyPr/>
                     <a:lstStyle/>
@@ -5385,7 +5364,7 @@
                   </a:txBody>
                   <a:tcPr/>
                 </a:tc>
-                <a:tc>
+                <a:tc rowSpan="2">
                   <a:txBody>
                     <a:bodyPr/>
                     <a:lstStyle/>
@@ -5427,6 +5406,79 @@
                         <a:t>.</a:t>
                       </a:r>
                       <a:endParaRPr lang="ko-KR" altLang="en-US" dirty="0"/>
+                    </a:p>
+                  </a:txBody>
+                  <a:tcPr/>
+                </a:tc>
+              </a:tr>
+              <a:tr h="295681">
+                <a:tc vMerge="1">
+                  <a:txBody>
+                    <a:bodyPr/>
+                    <a:lstStyle/>
+                    <a:p>
+                      <a:pPr latinLnBrk="1"/>
+                      <a:endParaRPr lang="ko-KR" altLang="en-US"/>
+                    </a:p>
+                  </a:txBody>
+                  <a:tcPr/>
+                </a:tc>
+                <a:tc vMerge="1">
+                  <a:txBody>
+                    <a:bodyPr/>
+                    <a:lstStyle/>
+                    <a:p>
+                      <a:pPr latinLnBrk="1"/>
+                      <a:endParaRPr lang="ko-KR" altLang="en-US"/>
+                    </a:p>
+                  </a:txBody>
+                  <a:tcPr/>
+                </a:tc>
+                <a:tc>
+                  <a:txBody>
+                    <a:bodyPr/>
+                    <a:lstStyle/>
+                    <a:p>
+                      <a:pPr latinLnBrk="1"/>
+                      <a:r>
+                        <a:rPr lang="ko-KR" altLang="en-US" dirty="0" smtClean="0">
+                          <a:latin typeface="+mn-ea"/>
+                          <a:ea typeface="+mn-ea"/>
+                        </a:rPr>
+                        <a:t>결과</a:t>
+                      </a:r>
+                      <a:r>
+                        <a:rPr lang="en-US" altLang="ko-KR" dirty="0" smtClean="0">
+                          <a:latin typeface="+mn-ea"/>
+                          <a:ea typeface="+mn-ea"/>
+                        </a:rPr>
+                        <a:t>:</a:t>
+                      </a:r>
+                      <a:r>
+                        <a:rPr lang="en-US" altLang="ko-KR" baseline="0" dirty="0" smtClean="0">
+                          <a:latin typeface="+mn-ea"/>
+                          <a:ea typeface="+mn-ea"/>
+                        </a:rPr>
+                        <a:t>  </a:t>
+                      </a:r>
+                      <a:r>
+                        <a:rPr lang="ko-KR" altLang="en-US" baseline="0" dirty="0" smtClean="0">
+                          <a:latin typeface="+mn-ea"/>
+                          <a:ea typeface="+mn-ea"/>
+                        </a:rPr>
+                        <a:t>진행 중</a:t>
+                      </a:r>
+                      <a:r>
+                        <a:rPr lang="en-US" altLang="ko-KR" baseline="0" dirty="0" smtClean="0">
+                          <a:latin typeface="+mn-ea"/>
+                          <a:ea typeface="+mn-ea"/>
+                        </a:rPr>
+                        <a:t>. (30%)</a:t>
+                      </a:r>
+                      <a:endParaRPr lang="ko-KR" altLang="en-US" dirty="0">
+                        <a:latin typeface="+mn-ea"/>
+                        <a:ea typeface="+mn-ea"/>
+                      </a:endParaRPr>
                     </a:p>
                   </a:txBody>
                   <a:tcPr/>
@@ -5734,6 +5786,13 @@
   <p:clrMapOvr>
     <a:masterClrMapping/>
   </p:clrMapOvr>
+  <p:timing>
+    <p:tnLst>
+      <p:par>
+        <p:cTn id="1" dur="indefinite" restart="never" nodeType="tmRoot"/>
+      </p:par>
+    </p:tnLst>
+  </p:timing>
 </p:sld>
 </file>
 
@@ -5777,49 +5836,132 @@
           </a:p>
         </p:txBody>
       </p:sp>
-      <p:sp>
-        <p:nvSpPr>
-          <p:cNvPr id="3" name="내용 개체 틀 2"/>
-          <p:cNvSpPr>
-            <a:spLocks noGrp="1"/>
-          </p:cNvSpPr>
+      <p:pic>
+        <p:nvPicPr>
+          <p:cNvPr id="7" name="bandicam 2017-11-22 21-02-30-851.avi">
+            <a:hlinkClick r:id="" action="ppaction://media"/>
+          </p:cNvPr>
+          <p:cNvPicPr>
+            <a:picLocks noGrp="1" noRot="1" noChangeAspect="1"/>
+          </p:cNvPicPr>
           <p:nvPr>
             <p:ph sz="half" idx="1"/>
-          </p:nvPr>
-        </p:nvSpPr>
-        <p:spPr/>
-        <p:txBody>
-          <a:bodyPr/>
-          <a:lstStyle/>
-          <a:p>
-            <a:endParaRPr lang="ko-KR" altLang="en-US"/>
-          </a:p>
-        </p:txBody>
-      </p:sp>
-      <p:sp>
-        <p:nvSpPr>
-          <p:cNvPr id="4" name="내용 개체 틀 3"/>
-          <p:cNvSpPr>
-            <a:spLocks noGrp="1"/>
-          </p:cNvSpPr>
-          <p:nvPr>
-            <p:ph sz="half" idx="2"/>
-          </p:nvPr>
-        </p:nvSpPr>
-        <p:spPr/>
-        <p:txBody>
-          <a:bodyPr/>
-          <a:lstStyle/>
-          <a:p>
-            <a:endParaRPr lang="ko-KR" altLang="en-US"/>
-          </a:p>
-        </p:txBody>
-      </p:sp>
+            <a:videoFile r:link="rId1"/>
+          </p:nvPr>
+        </p:nvPicPr>
+        <p:blipFill>
+          <a:blip r:embed="rId3" cstate="print"/>
+          <a:stretch>
+            <a:fillRect/>
+          </a:stretch>
+        </p:blipFill>
+        <p:spPr>
+          <a:xfrm>
+            <a:off x="539552" y="1628800"/>
+            <a:ext cx="5853476" cy="4390107"/>
+          </a:xfrm>
+          <a:prstGeom prst="rect">
+            <a:avLst/>
+          </a:prstGeom>
+        </p:spPr>
+      </p:pic>
     </p:spTree>
   </p:cSld>
   <p:clrMapOvr>
     <a:masterClrMapping/>
   </p:clrMapOvr>
+  <p:timing>
+    <p:tnLst>
+      <p:par>
+        <p:cTn id="1" dur="indefinite" restart="never" nodeType="tmRoot">
+          <p:childTnLst>
+            <p:seq concurrent="1" nextAc="seek">
+              <p:cTn id="2" restart="whenNotActive" fill="hold" evtFilter="cancelBubble" nodeType="interactiveSeq">
+                <p:stCondLst>
+                  <p:cond evt="onClick" delay="0">
+                    <p:tgtEl>
+                      <p:spTgt spid="7"/>
+                    </p:tgtEl>
+                  </p:cond>
+                </p:stCondLst>
+                <p:endSync evt="end" delay="0">
+                  <p:rtn val="all"/>
+                </p:endSync>
+                <p:childTnLst>
+                  <p:par>
+                    <p:cTn id="3" fill="hold">
+                      <p:stCondLst>
+                        <p:cond delay="0"/>
+                      </p:stCondLst>
+                      <p:childTnLst>
+                        <p:par>
+                          <p:cTn id="4" fill="hold">
+                            <p:stCondLst>
+                              <p:cond delay="0"/>
+                            </p:stCondLst>
+                            <p:childTnLst>
+                              <p:par>
+                                <p:cTn id="5" presetID="2" presetClass="mediacall" presetSubtype="0" fill="hold" nodeType="clickEffect">
+                                  <p:stCondLst>
+                                    <p:cond delay="0"/>
+                                  </p:stCondLst>
+                                  <p:childTnLst>
+                                    <p:cmd type="call" cmd="togglePause">
+                                      <p:cBhvr>
+                                        <p:cTn id="6" dur="1" fill="hold"/>
+                                        <p:tgtEl>
+                                          <p:spTgt spid="7"/>
+                                        </p:tgtEl>
+                                      </p:cBhvr>
+                                    </p:cmd>
+                                  </p:childTnLst>
+                                </p:cTn>
+                              </p:par>
+                            </p:childTnLst>
+                          </p:cTn>
+                        </p:par>
+                      </p:childTnLst>
+                    </p:cTn>
+                  </p:par>
+                </p:childTnLst>
+              </p:cTn>
+              <p:nextCondLst>
+                <p:cond evt="onClick" delay="0">
+                  <p:tgtEl>
+                    <p:spTgt spid="7"/>
+                  </p:tgtEl>
+                </p:cond>
+              </p:nextCondLst>
+            </p:seq>
+            <p:video>
+              <p:cMediaNode>
+                <p:cTn id="7" fill="hold" display="0">
+                  <p:stCondLst>
+                    <p:cond delay="indefinite"/>
+                  </p:stCondLst>
+                  <p:endCondLst>
+                    <p:cond evt="onNext" delay="0">
+                      <p:tgtEl>
+                        <p:sldTgt/>
+                      </p:tgtEl>
+                    </p:cond>
+                    <p:cond evt="onPrev" delay="0">
+                      <p:tgtEl>
+                        <p:sldTgt/>
+                      </p:tgtEl>
+                    </p:cond>
+                  </p:endCondLst>
+                </p:cTn>
+                <p:tgtEl>
+                  <p:spTgt spid="7"/>
+                </p:tgtEl>
+              </p:cMediaNode>
+            </p:video>
+          </p:childTnLst>
+        </p:cTn>
+      </p:par>
+    </p:tnLst>
+  </p:timing>
 </p:sld>
 </file>
 

--- a/2차 발표자료.pptx
+++ b/2차 발표자료.pptx
@@ -5309,11 +5309,7 @@
                       </a:r>
                       <a:r>
                         <a:rPr lang="en-US" altLang="ko-KR" sz="1600" dirty="0" smtClean="0"/>
-                        <a:t>: </a:t>
-                      </a:r>
-                      <a:r>
-                        <a:rPr lang="en-US" altLang="ko-KR" sz="1600" dirty="0" smtClean="0"/>
-                        <a:t> </a:t>
+                        <a:t>:  </a:t>
                       </a:r>
                       <a:r>
                         <a:rPr lang="ko-KR" altLang="en-US" sz="1600" dirty="0" smtClean="0"/>
@@ -5718,7 +5714,12 @@
             <p:ph type="title"/>
           </p:nvPr>
         </p:nvSpPr>
-        <p:spPr/>
+        <p:spPr>
+          <a:xfrm>
+            <a:off x="179512" y="0"/>
+            <a:ext cx="8229600" cy="1196752"/>
+          </a:xfrm>
+        </p:spPr>
         <p:txBody>
           <a:bodyPr/>
           <a:lstStyle/>
@@ -5743,44 +5744,134 @@
           </a:p>
         </p:txBody>
       </p:sp>
-      <p:sp>
-        <p:nvSpPr>
-          <p:cNvPr id="3" name="내용 개체 틀 2"/>
-          <p:cNvSpPr>
-            <a:spLocks noGrp="1"/>
-          </p:cNvSpPr>
-          <p:nvPr>
-            <p:ph sz="half" idx="1"/>
-          </p:nvPr>
-        </p:nvSpPr>
-        <p:spPr/>
-        <p:txBody>
-          <a:bodyPr/>
-          <a:lstStyle/>
-          <a:p>
-            <a:endParaRPr lang="ko-KR" altLang="en-US"/>
-          </a:p>
-        </p:txBody>
-      </p:sp>
-      <p:sp>
-        <p:nvSpPr>
-          <p:cNvPr id="4" name="내용 개체 틀 3"/>
-          <p:cNvSpPr>
-            <a:spLocks noGrp="1"/>
-          </p:cNvSpPr>
-          <p:nvPr>
-            <p:ph sz="half" idx="2"/>
-          </p:nvPr>
-        </p:nvSpPr>
-        <p:spPr/>
-        <p:txBody>
-          <a:bodyPr/>
-          <a:lstStyle/>
-          <a:p>
-            <a:endParaRPr lang="ko-KR" altLang="en-US"/>
-          </a:p>
-        </p:txBody>
-      </p:sp>
+      <p:pic>
+        <p:nvPicPr>
+          <p:cNvPr id="1026" name="Picture 2"/>
+          <p:cNvPicPr>
+            <a:picLocks noChangeAspect="1" noChangeArrowheads="1"/>
+          </p:cNvPicPr>
+          <p:nvPr/>
+        </p:nvPicPr>
+        <p:blipFill>
+          <a:blip r:embed="rId2" cstate="print"/>
+          <a:srcRect/>
+          <a:stretch>
+            <a:fillRect/>
+          </a:stretch>
+        </p:blipFill>
+        <p:spPr bwMode="auto">
+          <a:xfrm>
+            <a:off x="179512" y="1124744"/>
+            <a:ext cx="4104456" cy="2715060"/>
+          </a:xfrm>
+          <a:prstGeom prst="rect">
+            <a:avLst/>
+          </a:prstGeom>
+          <a:noFill/>
+          <a:ln w="9525">
+            <a:noFill/>
+            <a:miter lim="800000"/>
+            <a:headEnd/>
+            <a:tailEnd/>
+          </a:ln>
+        </p:spPr>
+      </p:pic>
+      <p:pic>
+        <p:nvPicPr>
+          <p:cNvPr id="1027" name="Picture 3"/>
+          <p:cNvPicPr>
+            <a:picLocks noChangeAspect="1" noChangeArrowheads="1"/>
+          </p:cNvPicPr>
+          <p:nvPr/>
+        </p:nvPicPr>
+        <p:blipFill>
+          <a:blip r:embed="rId3" cstate="print"/>
+          <a:srcRect/>
+          <a:stretch>
+            <a:fillRect/>
+          </a:stretch>
+        </p:blipFill>
+        <p:spPr bwMode="auto">
+          <a:xfrm>
+            <a:off x="4499992" y="1124744"/>
+            <a:ext cx="4032448" cy="2696180"/>
+          </a:xfrm>
+          <a:prstGeom prst="rect">
+            <a:avLst/>
+          </a:prstGeom>
+          <a:noFill/>
+          <a:ln w="9525">
+            <a:noFill/>
+            <a:miter lim="800000"/>
+            <a:headEnd/>
+            <a:tailEnd/>
+          </a:ln>
+        </p:spPr>
+      </p:pic>
+      <p:pic>
+        <p:nvPicPr>
+          <p:cNvPr id="1028" name="Picture 4"/>
+          <p:cNvPicPr>
+            <a:picLocks noChangeAspect="1" noChangeArrowheads="1"/>
+          </p:cNvPicPr>
+          <p:nvPr/>
+        </p:nvPicPr>
+        <p:blipFill>
+          <a:blip r:embed="rId4" cstate="print"/>
+          <a:srcRect/>
+          <a:stretch>
+            <a:fillRect/>
+          </a:stretch>
+        </p:blipFill>
+        <p:spPr bwMode="auto">
+          <a:xfrm>
+            <a:off x="179512" y="3933056"/>
+            <a:ext cx="4104456" cy="2733872"/>
+          </a:xfrm>
+          <a:prstGeom prst="rect">
+            <a:avLst/>
+          </a:prstGeom>
+          <a:noFill/>
+          <a:ln w="9525">
+            <a:noFill/>
+            <a:miter lim="800000"/>
+            <a:headEnd/>
+            <a:tailEnd/>
+          </a:ln>
+        </p:spPr>
+      </p:pic>
+      <p:pic>
+        <p:nvPicPr>
+          <p:cNvPr id="1029" name="Picture 5"/>
+          <p:cNvPicPr>
+            <a:picLocks noChangeAspect="1" noChangeArrowheads="1"/>
+          </p:cNvPicPr>
+          <p:nvPr/>
+        </p:nvPicPr>
+        <p:blipFill>
+          <a:blip r:embed="rId5" cstate="print"/>
+          <a:srcRect/>
+          <a:stretch>
+            <a:fillRect/>
+          </a:stretch>
+        </p:blipFill>
+        <p:spPr bwMode="auto">
+          <a:xfrm>
+            <a:off x="4499992" y="3933057"/>
+            <a:ext cx="4032448" cy="2736304"/>
+          </a:xfrm>
+          <a:prstGeom prst="rect">
+            <a:avLst/>
+          </a:prstGeom>
+          <a:noFill/>
+          <a:ln w="9525">
+            <a:noFill/>
+            <a:miter lim="800000"/>
+            <a:headEnd/>
+            <a:tailEnd/>
+          </a:ln>
+        </p:spPr>
+      </p:pic>
     </p:spTree>
   </p:cSld>
   <p:clrMapOvr>
@@ -5838,7 +5929,7 @@
       </p:sp>
       <p:pic>
         <p:nvPicPr>
-          <p:cNvPr id="7" name="bandicam 2017-11-22 21-02-30-851.avi">
+          <p:cNvPr id="7" name="bandicam 2017-11-22 21-27-04-460.avi">
             <a:hlinkClick r:id="" action="ppaction://media"/>
           </p:cNvPr>
           <p:cNvPicPr>
@@ -5857,8 +5948,8 @@
         </p:blipFill>
         <p:spPr>
           <a:xfrm>
-            <a:off x="539552" y="1628800"/>
-            <a:ext cx="5853476" cy="4390107"/>
+            <a:off x="467544" y="1772816"/>
+            <a:ext cx="6219752" cy="4680520"/>
           </a:xfrm>
           <a:prstGeom prst="rect">
             <a:avLst/>
